--- a/doc/mPoint - 3D Secure.pptx
+++ b/doc/mPoint - 3D Secure.pptx
@@ -193,7 +193,7 @@
             <a:fld id="{ADFF7B88-26EB-4FFC-A58B-B49976A7F053}" type="datetimeFigureOut">
               <a:rPr lang="da-DK" smtClean="0"/>
               <a:pPr/>
-              <a:t>16-05-2011</a:t>
+              <a:t>07-12-2011</a:t>
             </a:fld>
             <a:endParaRPr lang="en-GB"/>
           </a:p>
@@ -6405,14 +6405,7 @@
                   <a:latin typeface="Helvetica" pitchFamily="34" charset="0"/>
                   <a:cs typeface="Helvetica" pitchFamily="34" charset="0"/>
                 </a:rPr>
-                <a:t>Select </a:t>
-              </a:r>
-              <a:r>
-                <a:rPr lang="en-GB" sz="1600" b="1" dirty="0" smtClean="0">
-                  <a:latin typeface="Helvetica" pitchFamily="34" charset="0"/>
-                  <a:cs typeface="Helvetica" pitchFamily="34" charset="0"/>
-                </a:rPr>
-                <a:t>payment method</a:t>
+                <a:t>Select payment method</a:t>
               </a:r>
               <a:endParaRPr lang="en-GB" sz="1600" b="1" dirty="0">
                 <a:latin typeface="Helvetica" pitchFamily="34" charset="0"/>
@@ -6488,14 +6481,7 @@
                   <a:latin typeface="Helvetica" pitchFamily="34" charset="0"/>
                   <a:cs typeface="Helvetica" pitchFamily="34" charset="0"/>
                 </a:rPr>
-                <a:t>Payment </a:t>
-              </a:r>
-              <a:r>
-                <a:rPr lang="en-GB" sz="1600" b="1" dirty="0" smtClean="0">
-                  <a:latin typeface="Helvetica" pitchFamily="34" charset="0"/>
-                  <a:cs typeface="Helvetica" pitchFamily="34" charset="0"/>
-                </a:rPr>
-                <a:t>completed</a:t>
+                <a:t>Payment completed</a:t>
               </a:r>
               <a:endParaRPr lang="en-GB" sz="1600" b="1" dirty="0">
                 <a:latin typeface="Helvetica" pitchFamily="34" charset="0"/>
@@ -6533,14 +6519,7 @@
                 <a:latin typeface="Helvetica" pitchFamily="34" charset="0"/>
                 <a:cs typeface="Helvetica" pitchFamily="34" charset="0"/>
               </a:rPr>
-              <a:t>Enter </a:t>
-            </a:r>
-            <a:r>
-              <a:rPr lang="en-GB" sz="1600" b="1" dirty="0" smtClean="0">
-                <a:latin typeface="Helvetica" pitchFamily="34" charset="0"/>
-                <a:cs typeface="Helvetica" pitchFamily="34" charset="0"/>
-              </a:rPr>
-              <a:t>card details</a:t>
+              <a:t>Enter card details</a:t>
             </a:r>
             <a:endParaRPr lang="en-GB" sz="1600" b="1" dirty="0">
               <a:latin typeface="Helvetica" pitchFamily="34" charset="0"/>
@@ -6577,14 +6556,7 @@
                 <a:latin typeface="Helvetica" pitchFamily="34" charset="0"/>
                 <a:cs typeface="Helvetica" pitchFamily="34" charset="0"/>
               </a:rPr>
-              <a:t>Authorise </a:t>
-            </a:r>
-            <a:r>
-              <a:rPr lang="en-GB" sz="1600" b="1" dirty="0" smtClean="0">
-                <a:latin typeface="Helvetica" pitchFamily="34" charset="0"/>
-                <a:cs typeface="Helvetica" pitchFamily="34" charset="0"/>
-              </a:rPr>
-              <a:t>payment</a:t>
+              <a:t>Authorise payment</a:t>
             </a:r>
             <a:endParaRPr lang="en-GB" sz="1600" b="1" dirty="0">
               <a:latin typeface="Helvetica" pitchFamily="34" charset="0"/>
@@ -7101,10 +7073,10 @@
         </p:nvGrpSpPr>
         <p:grpSpPr>
           <a:xfrm>
-            <a:off x="5421053" y="2300099"/>
-            <a:ext cx="1823775" cy="2796118"/>
+            <a:off x="5421052" y="2300099"/>
+            <a:ext cx="1823776" cy="2796118"/>
             <a:chOff x="4860032" y="1774557"/>
-            <a:chExt cx="1683485" cy="2796118"/>
+            <a:chExt cx="1683486" cy="2796118"/>
           </a:xfrm>
         </p:grpSpPr>
         <p:pic>

--- a/doc/mPoint - 3D Secure.pptx
+++ b/doc/mPoint - 3D Secure.pptx
@@ -5,10 +5,12 @@
     <p:sldMasterId id="2147483648" r:id="rId1"/>
   </p:sldMasterIdLst>
   <p:notesMasterIdLst>
-    <p:notesMasterId r:id="rId3"/>
+    <p:notesMasterId r:id="rId5"/>
   </p:notesMasterIdLst>
   <p:sldIdLst>
     <p:sldId id="352" r:id="rId2"/>
+    <p:sldId id="353" r:id="rId3"/>
+    <p:sldId id="354" r:id="rId4"/>
   </p:sldIdLst>
   <p:sldSz cx="9906000" cy="6858000" type="A4"/>
   <p:notesSz cx="6858000" cy="9144000"/>
@@ -193,7 +195,7 @@
             <a:fld id="{ADFF7B88-26EB-4FFC-A58B-B49976A7F053}" type="datetimeFigureOut">
               <a:rPr lang="da-DK" smtClean="0"/>
               <a:pPr/>
-              <a:t>07-12-2011</a:t>
+              <a:t>21-06-2013</a:t>
             </a:fld>
             <a:endParaRPr lang="en-GB"/>
           </a:p>
@@ -7268,7 +7270,7 @@
               <a:rPr lang="en-US" dirty="0" smtClean="0">
                 <a:ea typeface="ＭＳ Ｐゴシック" pitchFamily="34" charset="-128"/>
               </a:rPr>
-              <a:t>3D </a:t>
+              <a:t>Non-Optimized 3D </a:t>
             </a:r>
             <a:r>
               <a:rPr lang="en-US" dirty="0" err="1" smtClean="0">
@@ -7805,6 +7807,878 @@
       <p:bldP spid="55" grpId="0" animBg="1"/>
     </p:bldLst>
   </p:timing>
+</p:sld>
+</file>
+
+<file path=ppt/slides/slide2.xml><?xml version="1.0" encoding="utf-8"?>
+<p:sld xmlns:a="http://schemas.openxmlformats.org/drawingml/2006/main" xmlns:r="http://schemas.openxmlformats.org/officeDocument/2006/relationships" xmlns:p="http://schemas.openxmlformats.org/presentationml/2006/main">
+  <p:cSld>
+    <p:spTree>
+      <p:nvGrpSpPr>
+        <p:cNvPr id="1" name=""/>
+        <p:cNvGrpSpPr/>
+        <p:nvPr/>
+      </p:nvGrpSpPr>
+      <p:grpSpPr>
+        <a:xfrm>
+          <a:off x="0" y="0"/>
+          <a:ext cx="0" cy="0"/>
+          <a:chOff x="0" y="0"/>
+          <a:chExt cx="0" cy="0"/>
+        </a:xfrm>
+      </p:grpSpPr>
+      <p:sp>
+        <p:nvSpPr>
+          <p:cNvPr id="3" name="Title 2"/>
+          <p:cNvSpPr>
+            <a:spLocks noGrp="1"/>
+          </p:cNvSpPr>
+          <p:nvPr>
+            <p:ph type="ctrTitle"/>
+          </p:nvPr>
+        </p:nvSpPr>
+        <p:spPr/>
+        <p:txBody>
+          <a:bodyPr/>
+          <a:lstStyle/>
+          <a:p>
+            <a:r>
+              <a:rPr lang="en-US" dirty="0" smtClean="0">
+                <a:ea typeface="ＭＳ Ｐゴシック" pitchFamily="34" charset="-128"/>
+              </a:rPr>
+              <a:t>Mobile Optimized </a:t>
+            </a:r>
+            <a:r>
+              <a:rPr lang="en-US" dirty="0" smtClean="0">
+                <a:ea typeface="ＭＳ Ｐゴシック" pitchFamily="34" charset="-128"/>
+              </a:rPr>
+              <a:t>3D </a:t>
+            </a:r>
+            <a:r>
+              <a:rPr lang="en-US" dirty="0" err="1" smtClean="0">
+                <a:ea typeface="ＭＳ Ｐゴシック" pitchFamily="34" charset="-128"/>
+              </a:rPr>
+              <a:t>SEcure</a:t>
+            </a:r>
+            <a:endParaRPr lang="da-DK" dirty="0"/>
+          </a:p>
+        </p:txBody>
+      </p:sp>
+      <p:pic>
+        <p:nvPicPr>
+          <p:cNvPr id="1026" name="Picture 2" descr="D:\Development\mPoint\server\doc\Screenshots\Native - Select Payment Method.png"/>
+          <p:cNvPicPr>
+            <a:picLocks noChangeAspect="1" noChangeArrowheads="1"/>
+          </p:cNvPicPr>
+          <p:nvPr/>
+        </p:nvPicPr>
+        <p:blipFill>
+          <a:blip r:embed="rId2" cstate="print"/>
+          <a:srcRect/>
+          <a:stretch>
+            <a:fillRect/>
+          </a:stretch>
+        </p:blipFill>
+        <p:spPr bwMode="auto">
+          <a:xfrm>
+            <a:off x="464980" y="1340768"/>
+            <a:ext cx="1679708" cy="2520000"/>
+          </a:xfrm>
+          <a:prstGeom prst="rect">
+            <a:avLst/>
+          </a:prstGeom>
+          <a:noFill/>
+        </p:spPr>
+      </p:pic>
+      <p:pic>
+        <p:nvPicPr>
+          <p:cNvPr id="1027" name="Picture 3" descr="D:\Development\mPoint\server\doc\Screenshots\Native - Confirm using 3D Secure.png"/>
+          <p:cNvPicPr>
+            <a:picLocks noChangeAspect="1" noChangeArrowheads="1"/>
+          </p:cNvPicPr>
+          <p:nvPr/>
+        </p:nvPicPr>
+        <p:blipFill>
+          <a:blip r:embed="rId3" cstate="print"/>
+          <a:srcRect/>
+          <a:stretch>
+            <a:fillRect/>
+          </a:stretch>
+        </p:blipFill>
+        <p:spPr bwMode="auto">
+          <a:xfrm>
+            <a:off x="5817096" y="1340768"/>
+            <a:ext cx="1680000" cy="2520000"/>
+          </a:xfrm>
+          <a:prstGeom prst="rect">
+            <a:avLst/>
+          </a:prstGeom>
+          <a:noFill/>
+        </p:spPr>
+      </p:pic>
+      <p:pic>
+        <p:nvPicPr>
+          <p:cNvPr id="1028" name="Picture 4" descr="D:\Development\mPoint\server\doc\Screenshots\Native - Enter Card Details.png"/>
+          <p:cNvPicPr>
+            <a:picLocks noChangeAspect="1" noChangeArrowheads="1"/>
+          </p:cNvPicPr>
+          <p:nvPr/>
+        </p:nvPicPr>
+        <p:blipFill>
+          <a:blip r:embed="rId4" cstate="print"/>
+          <a:srcRect/>
+          <a:stretch>
+            <a:fillRect/>
+          </a:stretch>
+        </p:blipFill>
+        <p:spPr bwMode="auto">
+          <a:xfrm>
+            <a:off x="3080792" y="1340768"/>
+            <a:ext cx="1680000" cy="2520000"/>
+          </a:xfrm>
+          <a:prstGeom prst="rect">
+            <a:avLst/>
+          </a:prstGeom>
+          <a:noFill/>
+        </p:spPr>
+      </p:pic>
+      <p:sp>
+        <p:nvSpPr>
+          <p:cNvPr id="12" name="TextBox 11"/>
+          <p:cNvSpPr txBox="1"/>
+          <p:nvPr/>
+        </p:nvSpPr>
+        <p:spPr>
+          <a:xfrm>
+            <a:off x="-9553" y="3862800"/>
+            <a:ext cx="2544284" cy="338554"/>
+          </a:xfrm>
+          <a:prstGeom prst="rect">
+            <a:avLst/>
+          </a:prstGeom>
+          <a:noFill/>
+        </p:spPr>
+        <p:txBody>
+          <a:bodyPr wrap="square" lIns="0" rIns="0" rtlCol="0">
+            <a:spAutoFit/>
+          </a:bodyPr>
+          <a:lstStyle/>
+          <a:p>
+            <a:pPr algn="ctr"/>
+            <a:r>
+              <a:rPr lang="en-GB" sz="1600" b="1" dirty="0" smtClean="0">
+                <a:latin typeface="Helvetica" pitchFamily="34" charset="0"/>
+                <a:cs typeface="Helvetica" pitchFamily="34" charset="0"/>
+              </a:rPr>
+              <a:t>Select payment method</a:t>
+            </a:r>
+            <a:endParaRPr lang="en-GB" sz="1600" b="1" dirty="0">
+              <a:latin typeface="Helvetica" pitchFamily="34" charset="0"/>
+              <a:cs typeface="Helvetica" pitchFamily="34" charset="0"/>
+            </a:endParaRPr>
+          </a:p>
+        </p:txBody>
+      </p:sp>
+      <p:sp>
+        <p:nvSpPr>
+          <p:cNvPr id="13" name="TextBox 12"/>
+          <p:cNvSpPr txBox="1"/>
+          <p:nvPr/>
+        </p:nvSpPr>
+        <p:spPr>
+          <a:xfrm>
+            <a:off x="2792760" y="3862800"/>
+            <a:ext cx="2376264" cy="338554"/>
+          </a:xfrm>
+          <a:prstGeom prst="rect">
+            <a:avLst/>
+          </a:prstGeom>
+          <a:noFill/>
+        </p:spPr>
+        <p:txBody>
+          <a:bodyPr wrap="square" lIns="0" rIns="0" rtlCol="0">
+            <a:spAutoFit/>
+          </a:bodyPr>
+          <a:lstStyle/>
+          <a:p>
+            <a:pPr algn="ctr"/>
+            <a:r>
+              <a:rPr lang="en-GB" sz="1600" b="1" dirty="0" smtClean="0">
+                <a:latin typeface="Helvetica" pitchFamily="34" charset="0"/>
+                <a:cs typeface="Helvetica" pitchFamily="34" charset="0"/>
+              </a:rPr>
+              <a:t>Enter card details</a:t>
+            </a:r>
+            <a:endParaRPr lang="en-GB" sz="1600" b="1" dirty="0">
+              <a:latin typeface="Helvetica" pitchFamily="34" charset="0"/>
+              <a:cs typeface="Helvetica" pitchFamily="34" charset="0"/>
+            </a:endParaRPr>
+          </a:p>
+        </p:txBody>
+      </p:sp>
+      <p:sp>
+        <p:nvSpPr>
+          <p:cNvPr id="14" name="TextBox 13"/>
+          <p:cNvSpPr txBox="1"/>
+          <p:nvPr/>
+        </p:nvSpPr>
+        <p:spPr>
+          <a:xfrm>
+            <a:off x="5745088" y="3861048"/>
+            <a:ext cx="1794199" cy="338554"/>
+          </a:xfrm>
+          <a:prstGeom prst="rect">
+            <a:avLst/>
+          </a:prstGeom>
+          <a:noFill/>
+        </p:spPr>
+        <p:txBody>
+          <a:bodyPr wrap="square" lIns="0" rIns="0" rtlCol="0">
+            <a:spAutoFit/>
+          </a:bodyPr>
+          <a:lstStyle/>
+          <a:p>
+            <a:pPr algn="ctr"/>
+            <a:r>
+              <a:rPr lang="en-GB" sz="1600" b="1" dirty="0" smtClean="0">
+                <a:latin typeface="Helvetica" pitchFamily="34" charset="0"/>
+                <a:cs typeface="Helvetica" pitchFamily="34" charset="0"/>
+              </a:rPr>
+              <a:t>3D Secure auth</a:t>
+            </a:r>
+            <a:endParaRPr lang="en-GB" sz="1600" b="1" dirty="0">
+              <a:latin typeface="Helvetica" pitchFamily="34" charset="0"/>
+              <a:cs typeface="Helvetica" pitchFamily="34" charset="0"/>
+            </a:endParaRPr>
+          </a:p>
+        </p:txBody>
+      </p:sp>
+      <p:cxnSp>
+        <p:nvCxnSpPr>
+          <p:cNvPr id="15" name="Straight Arrow Connector 14"/>
+          <p:cNvCxnSpPr>
+            <a:stCxn id="1026" idx="3"/>
+            <a:endCxn id="1028" idx="1"/>
+          </p:cNvCxnSpPr>
+          <p:nvPr/>
+        </p:nvCxnSpPr>
+        <p:spPr>
+          <a:xfrm>
+            <a:off x="2144688" y="2600768"/>
+            <a:ext cx="936104" cy="0"/>
+          </a:xfrm>
+          <a:prstGeom prst="straightConnector1">
+            <a:avLst/>
+          </a:prstGeom>
+          <a:ln w="38100">
+            <a:solidFill>
+              <a:schemeClr val="tx1"/>
+            </a:solidFill>
+            <a:headEnd type="none" w="med" len="med"/>
+            <a:tailEnd type="triangle" w="med" len="med"/>
+          </a:ln>
+        </p:spPr>
+        <p:style>
+          <a:lnRef idx="1">
+            <a:schemeClr val="accent1"/>
+          </a:lnRef>
+          <a:fillRef idx="0">
+            <a:schemeClr val="accent1"/>
+          </a:fillRef>
+          <a:effectRef idx="0">
+            <a:schemeClr val="accent1"/>
+          </a:effectRef>
+          <a:fontRef idx="minor">
+            <a:schemeClr val="tx1"/>
+          </a:fontRef>
+        </p:style>
+      </p:cxnSp>
+      <p:cxnSp>
+        <p:nvCxnSpPr>
+          <p:cNvPr id="18" name="Straight Arrow Connector 17"/>
+          <p:cNvCxnSpPr>
+            <a:stCxn id="1028" idx="3"/>
+            <a:endCxn id="1027" idx="1"/>
+          </p:cNvCxnSpPr>
+          <p:nvPr/>
+        </p:nvCxnSpPr>
+        <p:spPr>
+          <a:xfrm>
+            <a:off x="4760792" y="2600768"/>
+            <a:ext cx="1056304" cy="0"/>
+          </a:xfrm>
+          <a:prstGeom prst="straightConnector1">
+            <a:avLst/>
+          </a:prstGeom>
+          <a:ln w="38100">
+            <a:solidFill>
+              <a:schemeClr val="tx1"/>
+            </a:solidFill>
+            <a:headEnd type="none" w="med" len="med"/>
+            <a:tailEnd type="triangle" w="med" len="med"/>
+          </a:ln>
+        </p:spPr>
+        <p:style>
+          <a:lnRef idx="1">
+            <a:schemeClr val="accent1"/>
+          </a:lnRef>
+          <a:fillRef idx="0">
+            <a:schemeClr val="accent1"/>
+          </a:fillRef>
+          <a:effectRef idx="0">
+            <a:schemeClr val="accent1"/>
+          </a:effectRef>
+          <a:fontRef idx="minor">
+            <a:schemeClr val="tx1"/>
+          </a:fontRef>
+        </p:style>
+      </p:cxnSp>
+    </p:spTree>
+  </p:cSld>
+  <p:clrMapOvr>
+    <a:masterClrMapping/>
+  </p:clrMapOvr>
+  <p:timing>
+    <p:tnLst>
+      <p:par>
+        <p:cTn id="1" dur="indefinite" restart="never" nodeType="tmRoot"/>
+      </p:par>
+    </p:tnLst>
+  </p:timing>
+</p:sld>
+</file>
+
+<file path=ppt/slides/slide3.xml><?xml version="1.0" encoding="utf-8"?>
+<p:sld xmlns:a="http://schemas.openxmlformats.org/drawingml/2006/main" xmlns:r="http://schemas.openxmlformats.org/officeDocument/2006/relationships" xmlns:p="http://schemas.openxmlformats.org/presentationml/2006/main">
+  <p:cSld>
+    <p:spTree>
+      <p:nvGrpSpPr>
+        <p:cNvPr id="1" name=""/>
+        <p:cNvGrpSpPr/>
+        <p:nvPr/>
+      </p:nvGrpSpPr>
+      <p:grpSpPr>
+        <a:xfrm>
+          <a:off x="0" y="0"/>
+          <a:ext cx="0" cy="0"/>
+          <a:chOff x="0" y="0"/>
+          <a:chExt cx="0" cy="0"/>
+        </a:xfrm>
+      </p:grpSpPr>
+      <p:sp>
+        <p:nvSpPr>
+          <p:cNvPr id="3" name="Title 2"/>
+          <p:cNvSpPr>
+            <a:spLocks noGrp="1"/>
+          </p:cNvSpPr>
+          <p:nvPr>
+            <p:ph type="ctrTitle"/>
+          </p:nvPr>
+        </p:nvSpPr>
+        <p:spPr/>
+        <p:txBody>
+          <a:bodyPr/>
+          <a:lstStyle/>
+          <a:p>
+            <a:r>
+              <a:rPr lang="da-DK" dirty="0" err="1" smtClean="0"/>
+              <a:t>Payment</a:t>
+            </a:r>
+            <a:r>
+              <a:rPr lang="da-DK" dirty="0" smtClean="0"/>
+              <a:t> options</a:t>
+            </a:r>
+            <a:endParaRPr lang="da-DK" dirty="0"/>
+          </a:p>
+        </p:txBody>
+      </p:sp>
+      <p:graphicFrame>
+        <p:nvGraphicFramePr>
+          <p:cNvPr id="4" name="Table 3"/>
+          <p:cNvGraphicFramePr>
+            <a:graphicFrameLocks noGrp="1"/>
+          </p:cNvGraphicFramePr>
+          <p:nvPr/>
+        </p:nvGraphicFramePr>
+        <p:xfrm>
+          <a:off x="200472" y="1081544"/>
+          <a:ext cx="9433048" cy="1483360"/>
+        </p:xfrm>
+        <a:graphic>
+          <a:graphicData uri="http://schemas.openxmlformats.org/drawingml/2006/table">
+            <a:tbl>
+              <a:tblPr firstRow="1" bandRow="1">
+                <a:tableStyleId>{5C22544A-7EE6-4342-B048-85BDC9FD1C3A}</a:tableStyleId>
+              </a:tblPr>
+              <a:tblGrid>
+                <a:gridCol w="2358262"/>
+                <a:gridCol w="2358262"/>
+                <a:gridCol w="2358262"/>
+                <a:gridCol w="2358262"/>
+              </a:tblGrid>
+              <a:tr h="370840">
+                <a:tc>
+                  <a:txBody>
+                    <a:bodyPr/>
+                    <a:lstStyle/>
+                    <a:p>
+                      <a:r>
+                        <a:rPr lang="da-DK" dirty="0" err="1" smtClean="0"/>
+                        <a:t>Payment</a:t>
+                      </a:r>
+                      <a:r>
+                        <a:rPr lang="da-DK" baseline="0" dirty="0" smtClean="0"/>
+                        <a:t> Solution</a:t>
+                      </a:r>
+                      <a:endParaRPr lang="da-DK" dirty="0"/>
+                    </a:p>
+                  </a:txBody>
+                  <a:tcPr/>
+                </a:tc>
+                <a:tc>
+                  <a:txBody>
+                    <a:bodyPr/>
+                    <a:lstStyle/>
+                    <a:p>
+                      <a:pPr algn="ctr"/>
+                      <a:r>
+                        <a:rPr lang="da-DK" dirty="0" err="1" smtClean="0"/>
+                        <a:t>Setup</a:t>
+                      </a:r>
+                      <a:endParaRPr lang="da-DK" dirty="0"/>
+                    </a:p>
+                  </a:txBody>
+                  <a:tcPr/>
+                </a:tc>
+                <a:tc>
+                  <a:txBody>
+                    <a:bodyPr/>
+                    <a:lstStyle/>
+                    <a:p>
+                      <a:pPr algn="ctr"/>
+                      <a:r>
+                        <a:rPr lang="da-DK" dirty="0" err="1" smtClean="0"/>
+                        <a:t>License</a:t>
+                      </a:r>
+                      <a:endParaRPr lang="da-DK" dirty="0"/>
+                    </a:p>
+                  </a:txBody>
+                  <a:tcPr/>
+                </a:tc>
+                <a:tc>
+                  <a:txBody>
+                    <a:bodyPr/>
+                    <a:lstStyle/>
+                    <a:p>
+                      <a:pPr algn="ctr"/>
+                      <a:r>
+                        <a:rPr lang="da-DK" dirty="0" err="1" smtClean="0"/>
+                        <a:t>Transaction</a:t>
+                      </a:r>
+                      <a:endParaRPr lang="da-DK" dirty="0"/>
+                    </a:p>
+                  </a:txBody>
+                  <a:tcPr/>
+                </a:tc>
+              </a:tr>
+              <a:tr h="370840">
+                <a:tc>
+                  <a:txBody>
+                    <a:bodyPr/>
+                    <a:lstStyle/>
+                    <a:p>
+                      <a:r>
+                        <a:rPr lang="da-DK" dirty="0" err="1" smtClean="0"/>
+                        <a:t>WorldPay</a:t>
+                      </a:r>
+                      <a:endParaRPr lang="da-DK" dirty="0"/>
+                    </a:p>
+                  </a:txBody>
+                  <a:tcPr/>
+                </a:tc>
+                <a:tc>
+                  <a:txBody>
+                    <a:bodyPr/>
+                    <a:lstStyle/>
+                    <a:p>
+                      <a:pPr algn="ctr"/>
+                      <a:r>
+                        <a:rPr lang="da-DK" dirty="0" smtClean="0"/>
+                        <a:t>X</a:t>
+                      </a:r>
+                      <a:endParaRPr lang="da-DK" dirty="0"/>
+                    </a:p>
+                  </a:txBody>
+                  <a:tcPr/>
+                </a:tc>
+                <a:tc>
+                  <a:txBody>
+                    <a:bodyPr/>
+                    <a:lstStyle/>
+                    <a:p>
+                      <a:pPr algn="ctr"/>
+                      <a:r>
+                        <a:rPr lang="da-DK" dirty="0" smtClean="0"/>
+                        <a:t>X</a:t>
+                      </a:r>
+                      <a:endParaRPr lang="da-DK" dirty="0"/>
+                    </a:p>
+                  </a:txBody>
+                  <a:tcPr/>
+                </a:tc>
+                <a:tc>
+                  <a:txBody>
+                    <a:bodyPr/>
+                    <a:lstStyle/>
+                    <a:p>
+                      <a:pPr algn="ctr"/>
+                      <a:r>
+                        <a:rPr lang="da-DK" dirty="0" smtClean="0"/>
+                        <a:t>X</a:t>
+                      </a:r>
+                      <a:endParaRPr lang="da-DK" dirty="0"/>
+                    </a:p>
+                  </a:txBody>
+                  <a:tcPr/>
+                </a:tc>
+              </a:tr>
+              <a:tr h="370840">
+                <a:tc>
+                  <a:txBody>
+                    <a:bodyPr/>
+                    <a:lstStyle/>
+                    <a:p>
+                      <a:r>
+                        <a:rPr lang="da-DK" dirty="0" err="1" smtClean="0"/>
+                        <a:t>Other</a:t>
+                      </a:r>
+                      <a:r>
+                        <a:rPr lang="da-DK" dirty="0" smtClean="0"/>
+                        <a:t> PSP</a:t>
+                      </a:r>
+                      <a:endParaRPr lang="da-DK" dirty="0"/>
+                    </a:p>
+                  </a:txBody>
+                  <a:tcPr/>
+                </a:tc>
+                <a:tc>
+                  <a:txBody>
+                    <a:bodyPr/>
+                    <a:lstStyle/>
+                    <a:p>
+                      <a:pPr algn="ctr"/>
+                      <a:r>
+                        <a:rPr lang="da-DK" dirty="0" smtClean="0"/>
+                        <a:t>X</a:t>
+                      </a:r>
+                      <a:endParaRPr lang="da-DK" dirty="0"/>
+                    </a:p>
+                  </a:txBody>
+                  <a:tcPr/>
+                </a:tc>
+                <a:tc>
+                  <a:txBody>
+                    <a:bodyPr/>
+                    <a:lstStyle/>
+                    <a:p>
+                      <a:pPr algn="ctr"/>
+                      <a:r>
+                        <a:rPr lang="da-DK" dirty="0" smtClean="0"/>
+                        <a:t>X</a:t>
+                      </a:r>
+                      <a:endParaRPr lang="da-DK" dirty="0"/>
+                    </a:p>
+                  </a:txBody>
+                  <a:tcPr/>
+                </a:tc>
+                <a:tc>
+                  <a:txBody>
+                    <a:bodyPr/>
+                    <a:lstStyle/>
+                    <a:p>
+                      <a:pPr algn="ctr"/>
+                      <a:r>
+                        <a:rPr lang="da-DK" dirty="0" smtClean="0"/>
+                        <a:t>X</a:t>
+                      </a:r>
+                      <a:endParaRPr lang="da-DK" dirty="0"/>
+                    </a:p>
+                  </a:txBody>
+                  <a:tcPr/>
+                </a:tc>
+              </a:tr>
+              <a:tr h="370840">
+                <a:tc>
+                  <a:txBody>
+                    <a:bodyPr/>
+                    <a:lstStyle/>
+                    <a:p>
+                      <a:r>
+                        <a:rPr lang="da-DK" dirty="0" err="1" smtClean="0"/>
+                        <a:t>Standalone</a:t>
+                      </a:r>
+                      <a:endParaRPr lang="da-DK" dirty="0"/>
+                    </a:p>
+                  </a:txBody>
+                  <a:tcPr/>
+                </a:tc>
+                <a:tc>
+                  <a:txBody>
+                    <a:bodyPr/>
+                    <a:lstStyle/>
+                    <a:p>
+                      <a:pPr algn="ctr"/>
+                      <a:r>
+                        <a:rPr lang="da-DK" dirty="0" smtClean="0"/>
+                        <a:t>X</a:t>
+                      </a:r>
+                      <a:endParaRPr lang="da-DK" dirty="0"/>
+                    </a:p>
+                  </a:txBody>
+                  <a:tcPr/>
+                </a:tc>
+                <a:tc>
+                  <a:txBody>
+                    <a:bodyPr/>
+                    <a:lstStyle/>
+                    <a:p>
+                      <a:pPr algn="ctr"/>
+                      <a:r>
+                        <a:rPr lang="da-DK" dirty="0" smtClean="0"/>
+                        <a:t>X</a:t>
+                      </a:r>
+                      <a:endParaRPr lang="da-DK" dirty="0"/>
+                    </a:p>
+                  </a:txBody>
+                  <a:tcPr/>
+                </a:tc>
+                <a:tc>
+                  <a:txBody>
+                    <a:bodyPr/>
+                    <a:lstStyle/>
+                    <a:p>
+                      <a:pPr algn="ctr"/>
+                      <a:endParaRPr lang="da-DK" dirty="0"/>
+                    </a:p>
+                  </a:txBody>
+                  <a:tcPr/>
+                </a:tc>
+              </a:tr>
+            </a:tbl>
+          </a:graphicData>
+        </a:graphic>
+      </p:graphicFrame>
+      <p:sp>
+        <p:nvSpPr>
+          <p:cNvPr id="5" name="TextBox 4"/>
+          <p:cNvSpPr txBox="1"/>
+          <p:nvPr/>
+        </p:nvSpPr>
+        <p:spPr>
+          <a:xfrm>
+            <a:off x="200472" y="2636912"/>
+            <a:ext cx="9433048" cy="3970318"/>
+          </a:xfrm>
+          <a:prstGeom prst="rect">
+            <a:avLst/>
+          </a:prstGeom>
+          <a:noFill/>
+        </p:spPr>
+        <p:txBody>
+          <a:bodyPr wrap="square" rtlCol="0">
+            <a:spAutoFit/>
+          </a:bodyPr>
+          <a:lstStyle/>
+          <a:p>
+            <a:r>
+              <a:rPr lang="en-US" sz="1400" b="1" dirty="0" smtClean="0"/>
+              <a:t>What are the benefits of Verified by Visa, MasterCard </a:t>
+            </a:r>
+            <a:r>
+              <a:rPr lang="en-US" sz="1400" b="1" dirty="0" err="1" smtClean="0"/>
+              <a:t>SecureCode</a:t>
+            </a:r>
+            <a:r>
+              <a:rPr lang="en-US" sz="1400" b="1" dirty="0" smtClean="0"/>
+              <a:t> and JCB J/Secure programs for YOU?</a:t>
+            </a:r>
+            <a:endParaRPr lang="en-US" sz="1400" dirty="0" smtClean="0"/>
+          </a:p>
+          <a:p>
+            <a:pPr marL="180000" indent="-180000">
+              <a:buFont typeface="Arial" pitchFamily="34" charset="0"/>
+              <a:buChar char="•"/>
+            </a:pPr>
+            <a:r>
+              <a:rPr lang="en-US" sz="1400" dirty="0" smtClean="0"/>
+              <a:t>When you process transactions using Click2Sell 3-D Secure feature, you will be 95%+ protected from the </a:t>
+            </a:r>
+            <a:r>
+              <a:rPr lang="en-US" sz="1400" dirty="0" err="1" smtClean="0"/>
+              <a:t>chargebacks</a:t>
+            </a:r>
+            <a:r>
+              <a:rPr lang="en-US" sz="1400" dirty="0" smtClean="0"/>
+              <a:t>.</a:t>
+            </a:r>
+          </a:p>
+          <a:p>
+            <a:pPr marL="180000" indent="-180000">
+              <a:buFont typeface="Arial" pitchFamily="34" charset="0"/>
+              <a:buChar char="•"/>
+            </a:pPr>
+            <a:r>
+              <a:rPr lang="en-US" sz="1400" dirty="0" smtClean="0"/>
+              <a:t>You are not liable for </a:t>
+            </a:r>
+            <a:r>
+              <a:rPr lang="en-US" sz="1400" dirty="0" err="1" smtClean="0"/>
+              <a:t>chargebacks</a:t>
+            </a:r>
+            <a:r>
+              <a:rPr lang="en-US" sz="1400" dirty="0" smtClean="0"/>
+              <a:t> that result from fraudulent unauthorized use of Visa, </a:t>
+            </a:r>
+            <a:r>
+              <a:rPr lang="en-US" sz="1400" dirty="0" err="1" smtClean="0"/>
+              <a:t>Mastercard</a:t>
+            </a:r>
+            <a:r>
+              <a:rPr lang="en-US" sz="1400" dirty="0" smtClean="0"/>
+              <a:t> or JCB cards.</a:t>
+            </a:r>
+          </a:p>
+          <a:p>
+            <a:pPr marL="180000" indent="-180000">
+              <a:buFont typeface="Arial" pitchFamily="34" charset="0"/>
+              <a:buChar char="•"/>
+            </a:pPr>
+            <a:r>
+              <a:rPr lang="en-US" sz="1400" dirty="0" smtClean="0"/>
+              <a:t>Fraud on your website is reduced since 3-D Secure protection saves you from unauthorized card use</a:t>
+            </a:r>
+          </a:p>
+          <a:p>
+            <a:pPr marL="180000" indent="-180000">
+              <a:buFont typeface="Arial" pitchFamily="34" charset="0"/>
+              <a:buChar char="•"/>
+            </a:pPr>
+            <a:r>
+              <a:rPr lang="en-US" sz="1400" dirty="0" smtClean="0"/>
+              <a:t>Even if chargeback comes later, you are no liable for it and you don’t pay a cent to your vendor account’s bank. No more $20-$30 bills </a:t>
+            </a:r>
+            <a:r>
+              <a:rPr lang="en-US" sz="1400" dirty="0" err="1" smtClean="0"/>
+              <a:t>everytime</a:t>
+            </a:r>
+            <a:r>
+              <a:rPr lang="en-US" sz="1400" dirty="0" smtClean="0"/>
+              <a:t> you receive a chargeback.</a:t>
+            </a:r>
+          </a:p>
+          <a:p>
+            <a:pPr marL="180000" indent="-180000">
+              <a:buFont typeface="Arial" pitchFamily="34" charset="0"/>
+              <a:buChar char="•"/>
+            </a:pPr>
+            <a:r>
+              <a:rPr lang="en-US" sz="1400" dirty="0" smtClean="0"/>
+              <a:t>Visa, MasterCard and JCB protects you in case of </a:t>
+            </a:r>
+            <a:r>
+              <a:rPr lang="en-US" sz="1400" dirty="0" err="1" smtClean="0"/>
+              <a:t>chargebacks</a:t>
+            </a:r>
+            <a:endParaRPr lang="en-US" sz="1400" dirty="0" smtClean="0"/>
+          </a:p>
+          <a:p>
+            <a:pPr marL="180000" indent="-180000">
+              <a:buFont typeface="Arial" pitchFamily="34" charset="0"/>
+              <a:buChar char="•"/>
+            </a:pPr>
+            <a:r>
+              <a:rPr lang="en-US" sz="1400" dirty="0" smtClean="0"/>
+              <a:t>Your customers enjoy a safer place to shop when they see Verified by Visa, MasterCard </a:t>
+            </a:r>
+            <a:r>
+              <a:rPr lang="en-US" sz="1400" dirty="0" err="1" smtClean="0"/>
+              <a:t>SecureCode</a:t>
+            </a:r>
+            <a:r>
+              <a:rPr lang="en-US" sz="1400" dirty="0" smtClean="0"/>
+              <a:t> and JCB J/Secure logos on your product’s checkout pages</a:t>
+            </a:r>
+          </a:p>
+          <a:p>
+            <a:pPr marL="180000" indent="-180000">
+              <a:buFont typeface="Arial" pitchFamily="34" charset="0"/>
+              <a:buChar char="•"/>
+            </a:pPr>
+            <a:r>
+              <a:rPr lang="en-US" sz="1400" dirty="0" smtClean="0"/>
+              <a:t>The transaction costs are reduced at least 0.5%, up to 2%! You can qualify for a lower transaction fees for your e-commerce transactions if you use 3-D Secure protection. So if you are paying 2% or 4% fee for your vendor account provider, you can easily reduce this cost up to 2%. This can save you thousands of dollars every month!</a:t>
+            </a:r>
+          </a:p>
+          <a:p>
+            <a:pPr marL="180000" indent="-180000">
+              <a:buFont typeface="Arial" pitchFamily="34" charset="0"/>
+              <a:buChar char="•"/>
+            </a:pPr>
+            <a:r>
+              <a:rPr lang="en-US" sz="1400" dirty="0" smtClean="0"/>
+              <a:t>When you participate in these 3-D Secure programs your customers and their transactions are safe.</a:t>
+            </a:r>
+          </a:p>
+          <a:p>
+            <a:pPr marL="180000" indent="-180000">
+              <a:buFont typeface="Arial" pitchFamily="34" charset="0"/>
+              <a:buChar char="•"/>
+            </a:pPr>
+            <a:r>
+              <a:rPr lang="en-US" sz="1400" dirty="0" smtClean="0"/>
+              <a:t>Expand the geographic reach of your business by selling to customers outside your country without worrying about possible fraud.</a:t>
+            </a:r>
+          </a:p>
+          <a:p>
+            <a:pPr marL="180000" indent="-180000">
+              <a:buFont typeface="Arial" pitchFamily="34" charset="0"/>
+              <a:buChar char="•"/>
+            </a:pPr>
+            <a:r>
+              <a:rPr lang="en-US" sz="1400" dirty="0" smtClean="0"/>
+              <a:t>Advertise your website for free and attract customers on the Visa and MasterCard consumer websites</a:t>
+            </a:r>
+            <a:r>
+              <a:rPr lang="en-US" sz="1400" dirty="0" smtClean="0"/>
+              <a:t>.</a:t>
+            </a:r>
+          </a:p>
+          <a:p>
+            <a:pPr marL="180000" indent="-180000">
+              <a:buFont typeface="Arial" pitchFamily="34" charset="0"/>
+              <a:buChar char="•"/>
+            </a:pPr>
+            <a:endParaRPr lang="en-US" sz="1400" dirty="0" smtClean="0"/>
+          </a:p>
+          <a:p>
+            <a:pPr marL="180000" indent="-180000"/>
+            <a:r>
+              <a:rPr lang="en-US" sz="1400" i="1" dirty="0" smtClean="0"/>
+              <a:t>http://</a:t>
+            </a:r>
+            <a:r>
+              <a:rPr lang="en-US" sz="1400" i="1" dirty="0" smtClean="0"/>
+              <a:t>www.click2sell.eu/en/3d-secure.html</a:t>
+            </a:r>
+            <a:endParaRPr lang="da-DK" sz="1400" dirty="0"/>
+          </a:p>
+        </p:txBody>
+      </p:sp>
+    </p:spTree>
+  </p:cSld>
+  <p:clrMapOvr>
+    <a:masterClrMapping/>
+  </p:clrMapOvr>
 </p:sld>
 </file>
 
